--- a/PPT/Lecture2 Linguistics.pptx
+++ b/PPT/Lecture2 Linguistics.pptx
@@ -410,7 +410,7 @@
                 </a:solidFill>
               </a:rPr>
               <a:pPr/>
-              <a:t>3/3/2021</a:t>
+              <a:t>1/21/2020</a:t>
             </a:fld>
             <a:endParaRPr lang="en-US" dirty="0">
               <a:solidFill>
@@ -856,7 +856,7 @@
                 </a:solidFill>
               </a:rPr>
               <a:pPr/>
-              <a:t>3/3/2021</a:t>
+              <a:t>1/21/2020</a:t>
             </a:fld>
             <a:endParaRPr lang="en-US" dirty="0">
               <a:solidFill>
@@ -1224,7 +1224,7 @@
                 </a:solidFill>
               </a:rPr>
               <a:pPr/>
-              <a:t>3/3/2021</a:t>
+              <a:t>1/21/2020</a:t>
             </a:fld>
             <a:endParaRPr lang="en-US" dirty="0">
               <a:solidFill>
@@ -1661,7 +1661,7 @@
                 </a:solidFill>
               </a:rPr>
               <a:pPr/>
-              <a:t>3/3/2021</a:t>
+              <a:t>1/21/2020</a:t>
             </a:fld>
             <a:endParaRPr lang="en-US" dirty="0">
               <a:solidFill>
@@ -2261,7 +2261,7 @@
                 </a:solidFill>
               </a:rPr>
               <a:pPr/>
-              <a:t>3/3/2021</a:t>
+              <a:t>1/21/2020</a:t>
             </a:fld>
             <a:endParaRPr lang="en-US" dirty="0">
               <a:solidFill>
@@ -2974,7 +2974,7 @@
                 </a:solidFill>
               </a:rPr>
               <a:pPr/>
-              <a:t>3/3/2021</a:t>
+              <a:t>1/21/2020</a:t>
             </a:fld>
             <a:endParaRPr lang="en-US" dirty="0">
               <a:solidFill>
@@ -3919,7 +3919,7 @@
                 </a:solidFill>
               </a:rPr>
               <a:pPr/>
-              <a:t>3/3/2021</a:t>
+              <a:t>1/21/2020</a:t>
             </a:fld>
             <a:endParaRPr lang="en-US" dirty="0">
               <a:solidFill>
@@ -4264,7 +4264,7 @@
                 </a:solidFill>
               </a:rPr>
               <a:pPr/>
-              <a:t>3/3/2021</a:t>
+              <a:t>1/21/2020</a:t>
             </a:fld>
             <a:endParaRPr lang="en-US" dirty="0">
               <a:solidFill>
@@ -4560,7 +4560,7 @@
                 </a:solidFill>
               </a:rPr>
               <a:pPr/>
-              <a:t>3/3/2021</a:t>
+              <a:t>1/21/2020</a:t>
             </a:fld>
             <a:endParaRPr lang="en-US" dirty="0">
               <a:solidFill>
@@ -4915,7 +4915,7 @@
                 </a:solidFill>
               </a:rPr>
               <a:pPr/>
-              <a:t>3/3/2021</a:t>
+              <a:t>1/21/2020</a:t>
             </a:fld>
             <a:endParaRPr lang="en-US" dirty="0">
               <a:solidFill>
@@ -5336,7 +5336,7 @@
                 </a:solidFill>
               </a:rPr>
               <a:pPr/>
-              <a:t>3/3/2021</a:t>
+              <a:t>1/21/2020</a:t>
             </a:fld>
             <a:endParaRPr lang="en-US" dirty="0">
               <a:solidFill>
@@ -5744,7 +5744,7 @@
                 </a:solidFill>
               </a:rPr>
               <a:pPr/>
-              <a:t>3/3/2021</a:t>
+              <a:t>1/21/2020</a:t>
             </a:fld>
             <a:endParaRPr lang="en-US" dirty="0">
               <a:solidFill>
@@ -6282,7 +6282,7 @@
                 </a:solidFill>
               </a:rPr>
               <a:pPr/>
-              <a:t>3/3/2021</a:t>
+              <a:t>1/21/2020</a:t>
             </a:fld>
             <a:endParaRPr lang="en-US" dirty="0">
               <a:solidFill>
@@ -6571,7 +6571,7 @@
                 </a:solidFill>
               </a:rPr>
               <a:pPr/>
-              <a:t>3/3/2021</a:t>
+              <a:t>1/21/2020</a:t>
             </a:fld>
             <a:endParaRPr lang="en-US" dirty="0">
               <a:solidFill>
@@ -6766,7 +6766,7 @@
                 </a:solidFill>
               </a:rPr>
               <a:pPr/>
-              <a:t>3/3/2021</a:t>
+              <a:t>1/21/2020</a:t>
             </a:fld>
             <a:endParaRPr lang="en-US" dirty="0">
               <a:solidFill>
@@ -7188,7 +7188,7 @@
                 </a:solidFill>
               </a:rPr>
               <a:pPr/>
-              <a:t>3/3/2021</a:t>
+              <a:t>1/21/2020</a:t>
             </a:fld>
             <a:endParaRPr lang="en-US" dirty="0">
               <a:solidFill>
@@ -7629,7 +7629,7 @@
                 </a:solidFill>
               </a:rPr>
               <a:pPr/>
-              <a:t>3/3/2021</a:t>
+              <a:t>1/21/2020</a:t>
             </a:fld>
             <a:endParaRPr lang="en-US" dirty="0">
               <a:solidFill>
@@ -7906,7 +7906,7 @@
                 </a:solidFill>
               </a:rPr>
               <a:pPr defTabSz="457200"/>
-              <a:t>3/3/2021</a:t>
+              <a:t>1/21/2020</a:t>
             </a:fld>
             <a:endParaRPr lang="en-US" dirty="0">
               <a:solidFill>
@@ -8856,12 +8856,8 @@
           <a:lstStyle/>
           <a:p>
             <a:r>
-              <a:rPr lang="en-US" b="1" dirty="0"/>
-              <a:t>Emotive:</a:t>
-            </a:r>
-            <a:r>
               <a:rPr lang="en-US" dirty="0"/>
-              <a:t> </a:t>
+              <a:t>Emotive: </a:t>
             </a:r>
             <a:endParaRPr lang="en-US" dirty="0" smtClean="0"/>
           </a:p>
@@ -8883,14 +8879,14 @@
           </a:p>
           <a:p>
             <a:r>
-              <a:rPr lang="en-US" b="1" dirty="0" smtClean="0"/>
+              <a:rPr lang="en-US" dirty="0" smtClean="0"/>
               <a:t>Phatic </a:t>
             </a:r>
             <a:r>
-              <a:rPr lang="en-US" b="1" dirty="0"/>
+              <a:rPr lang="en-US" dirty="0"/>
               <a:t>communions: </a:t>
             </a:r>
-            <a:endParaRPr lang="en-US" b="1" dirty="0" smtClean="0"/>
+            <a:endParaRPr lang="en-US" dirty="0" smtClean="0"/>
           </a:p>
           <a:p>
             <a:pPr marL="457200" lvl="1" indent="0">
@@ -8910,14 +8906,14 @@
           </a:p>
           <a:p>
             <a:r>
-              <a:rPr lang="en-US" b="1" dirty="0" smtClean="0"/>
+              <a:rPr lang="en-US" dirty="0" smtClean="0"/>
               <a:t>Recreational</a:t>
             </a:r>
             <a:r>
-              <a:rPr lang="en-US" b="1" dirty="0"/>
+              <a:rPr lang="en-US" dirty="0"/>
               <a:t>: </a:t>
             </a:r>
-            <a:endParaRPr lang="en-US" b="1" dirty="0" smtClean="0"/>
+            <a:endParaRPr lang="en-US" dirty="0" smtClean="0"/>
           </a:p>
           <a:p>
             <a:pPr marL="457200" lvl="1" indent="0">
@@ -8937,14 +8933,14 @@
           </a:p>
           <a:p>
             <a:r>
-              <a:rPr lang="en-US" b="1" dirty="0" smtClean="0"/>
+              <a:rPr lang="en-US" dirty="0" smtClean="0"/>
               <a:t>Metalingual</a:t>
             </a:r>
             <a:r>
-              <a:rPr lang="en-US" b="1" dirty="0"/>
+              <a:rPr lang="en-US" dirty="0"/>
               <a:t>: </a:t>
             </a:r>
-            <a:endParaRPr lang="en-US" b="1" dirty="0" smtClean="0"/>
+            <a:endParaRPr lang="en-US" dirty="0" smtClean="0"/>
           </a:p>
           <a:p>
             <a:pPr marL="457200" lvl="1" indent="0">
@@ -9544,14 +9540,10 @@
           <a:lstStyle/>
           <a:p>
             <a:r>
-              <a:rPr lang="en-US" dirty="0" smtClean="0"/>
-              <a:t>YouTube </a:t>
-            </a:r>
-            <a:r>
               <a:rPr lang="en-US" smtClean="0"/>
-              <a:t>Videos related to this topic</a:t>
-            </a:r>
-            <a:endParaRPr lang="en-US" dirty="0"/>
+              <a:t>Discussion!</a:t>
+            </a:r>
+            <a:endParaRPr lang="en-US"/>
           </a:p>
         </p:txBody>
       </p:sp>
@@ -9570,112 +9562,7 @@
           <a:bodyPr/>
           <a:lstStyle/>
           <a:p>
-            <a:r>
-              <a:rPr lang="en-US" dirty="0">
-                <a:hlinkClick r:id="rId2"/>
-              </a:rPr>
-              <a:t>https://</a:t>
-            </a:r>
-            <a:r>
-              <a:rPr lang="en-US" dirty="0" smtClean="0">
-                <a:hlinkClick r:id="rId2"/>
-              </a:rPr>
-              <a:t>www.youtube.com/watch?v=3CGTwBwg_9A</a:t>
-            </a:r>
-            <a:endParaRPr lang="en-US" dirty="0" smtClean="0"/>
-          </a:p>
-          <a:p>
-            <a:r>
-              <a:rPr lang="en-US" dirty="0">
-                <a:hlinkClick r:id="rId3"/>
-              </a:rPr>
-              <a:t>https://</a:t>
-            </a:r>
-            <a:r>
-              <a:rPr lang="en-US" dirty="0" smtClean="0">
-                <a:hlinkClick r:id="rId3"/>
-              </a:rPr>
-              <a:t>www.youtube.com/watch?v=1Bf1R5gclpI</a:t>
-            </a:r>
-            <a:endParaRPr lang="en-US" dirty="0" smtClean="0"/>
-          </a:p>
-          <a:p>
-            <a:r>
-              <a:rPr lang="en-US" dirty="0">
-                <a:hlinkClick r:id="rId4"/>
-              </a:rPr>
-              <a:t>https://</a:t>
-            </a:r>
-            <a:r>
-              <a:rPr lang="en-US" dirty="0" smtClean="0">
-                <a:hlinkClick r:id="rId4"/>
-              </a:rPr>
-              <a:t>www.youtube.com/watch?v=3cFZZb-wvMc</a:t>
-            </a:r>
-            <a:endParaRPr lang="en-US" dirty="0" smtClean="0"/>
-          </a:p>
-          <a:p>
-            <a:r>
-              <a:rPr lang="en-US" dirty="0">
-                <a:hlinkClick r:id="rId5"/>
-              </a:rPr>
-              <a:t>https://</a:t>
-            </a:r>
-            <a:r>
-              <a:rPr lang="en-US" dirty="0" smtClean="0">
-                <a:hlinkClick r:id="rId5"/>
-              </a:rPr>
-              <a:t>www.youtube.com/watch?v=JfXlStN8ZtU</a:t>
-            </a:r>
-            <a:endParaRPr lang="en-US" dirty="0" smtClean="0"/>
-          </a:p>
-          <a:p>
-            <a:r>
-              <a:rPr lang="en-US" dirty="0">
-                <a:hlinkClick r:id="rId6"/>
-              </a:rPr>
-              <a:t>https://</a:t>
-            </a:r>
-            <a:r>
-              <a:rPr lang="en-US" dirty="0" smtClean="0">
-                <a:hlinkClick r:id="rId6"/>
-              </a:rPr>
-              <a:t>www.youtube.com/watch?v=063bNY4pCrc</a:t>
-            </a:r>
-            <a:endParaRPr lang="en-US" dirty="0" smtClean="0"/>
-          </a:p>
-          <a:p>
-            <a:r>
-              <a:rPr lang="en-US" dirty="0">
-                <a:hlinkClick r:id="rId7"/>
-              </a:rPr>
-              <a:t>https://</a:t>
-            </a:r>
-            <a:r>
-              <a:rPr lang="en-US" dirty="0" smtClean="0">
-                <a:hlinkClick r:id="rId7"/>
-              </a:rPr>
-              <a:t>www.youtube.com/watch?v=O2IQrsSLEb0</a:t>
-            </a:r>
-            <a:endParaRPr lang="en-US" dirty="0" smtClean="0"/>
-          </a:p>
-          <a:p>
-            <a:r>
-              <a:rPr lang="en-US" dirty="0">
-                <a:hlinkClick r:id="rId8"/>
-              </a:rPr>
-              <a:t>https://</a:t>
-            </a:r>
-            <a:r>
-              <a:rPr lang="en-US" dirty="0" smtClean="0">
-                <a:hlinkClick r:id="rId8"/>
-              </a:rPr>
-              <a:t>www.youtube.com/watch?v=fudGTarEiC4</a:t>
-            </a:r>
-            <a:endParaRPr lang="en-US" dirty="0" smtClean="0"/>
-          </a:p>
-          <a:p>
-            <a:endParaRPr lang="en-US" dirty="0"/>
+            <a:endParaRPr lang="en-US"/>
           </a:p>
         </p:txBody>
       </p:sp>
@@ -9733,7 +9620,7 @@
           <a:p>
             <a:r>
               <a:rPr lang="en-US" dirty="0" smtClean="0"/>
-              <a:t>(Computational) Linguistics</a:t>
+              <a:t>Linguistics</a:t>
             </a:r>
             <a:endParaRPr lang="en-US" dirty="0"/>
           </a:p>
@@ -9830,7 +9717,7 @@
           <a:p>
             <a:r>
               <a:rPr lang="en-US" dirty="0" smtClean="0"/>
-              <a:t>Types of Computational Linguistics</a:t>
+              <a:t>Types of Linguistics</a:t>
             </a:r>
             <a:endParaRPr lang="en-US" dirty="0"/>
           </a:p>
@@ -9871,15 +9758,7 @@
             </a:r>
             <a:r>
               <a:rPr lang="en-US" dirty="0" smtClean="0"/>
-              <a:t> Examine the grammar of languages. It describes and analyzes the </a:t>
-            </a:r>
-            <a:r>
-              <a:rPr lang="en-US" smtClean="0"/>
-              <a:t>language as people </a:t>
-            </a:r>
-            <a:r>
-              <a:rPr lang="en-US" dirty="0" smtClean="0"/>
-              <a:t>actually use.</a:t>
+              <a:t> Examine the grammar of languages. It describes and analyze the language people actually use.</a:t>
             </a:r>
           </a:p>
           <a:p>
@@ -10020,15 +9899,7 @@
             </a:r>
             <a:r>
               <a:rPr lang="en-US" dirty="0" smtClean="0"/>
-              <a:t>The study of </a:t>
-            </a:r>
-            <a:r>
-              <a:rPr lang="en-US" smtClean="0"/>
-              <a:t>how to use </a:t>
-            </a:r>
-            <a:r>
-              <a:rPr lang="en-US" dirty="0" smtClean="0"/>
-              <a:t>or interpret language</a:t>
+              <a:t>The study of how use or interpret language</a:t>
             </a:r>
             <a:endParaRPr lang="en-US" dirty="0"/>
           </a:p>
@@ -10458,8 +10329,13 @@
             </a:r>
             <a:r>
               <a:rPr lang="en-US" dirty="0" smtClean="0"/>
-              <a:t>Linguistic sign that have no natural (logical or intrinsic) relationship to their meaning. Different sounds are used to refer to the same object in a language.</a:t>
-            </a:r>
+              <a:t>Linguistic sign that have no natural (logical or intrinsic) relationship to their meaning. Different sounds are used to refer to the same object in </a:t>
+            </a:r>
+            <a:r>
+              <a:rPr lang="en-US" dirty="0" smtClean="0"/>
+              <a:t>a language.</a:t>
+            </a:r>
+            <a:endParaRPr lang="en-US" dirty="0" smtClean="0"/>
           </a:p>
           <a:p>
             <a:pPr marL="0" indent="0">
@@ -10609,6 +10485,7 @@
               <a:rPr lang="en-US" dirty="0" smtClean="0"/>
               <a:t>. </a:t>
             </a:r>
+            <a:endParaRPr lang="en-US" dirty="0" smtClean="0"/>
           </a:p>
           <a:p>
             <a:pPr marL="0" indent="0">
@@ -10620,7 +10497,11 @@
             </a:r>
             <a:r>
               <a:rPr lang="en-US" dirty="0" smtClean="0"/>
-              <a:t> allows to produce unlimited sentences with limited rules. </a:t>
+              <a:t> </a:t>
+            </a:r>
+            <a:r>
+              <a:rPr lang="en-US" dirty="0" smtClean="0"/>
+              <a:t>allows to produce unlimited sentences with limited rules. </a:t>
             </a:r>
           </a:p>
           <a:p>
